--- a/Trestle Bent 5 and 9.pptx
+++ b/Trestle Bent 5 and 9.pptx
@@ -9,8 +9,6 @@
     <p:sldId id="261" r:id="rId3"/>
     <p:sldId id="258" r:id="rId4"/>
     <p:sldId id="259" r:id="rId5"/>
-    <p:sldId id="260" r:id="rId6"/>
-    <p:sldId id="262" r:id="rId7"/>
   </p:sldIdLst>
   <p:sldSz cx="9144000" cy="6858000" type="screen4x3"/>
   <p:notesSz cx="6858000" cy="9144000"/>
@@ -6518,902 +6516,6 @@
     <p:extLst>
       <p:ext uri="{BB962C8B-B14F-4D97-AF65-F5344CB8AC3E}">
         <p14:creationId xmlns:p14="http://schemas.microsoft.com/office/powerpoint/2010/main" val="3419217272"/>
-      </p:ext>
-    </p:extLst>
-  </p:cSld>
-  <p:clrMapOvr>
-    <a:masterClrMapping/>
-  </p:clrMapOvr>
-</p:sld>
-</file>
-
-<file path=ppt/slides/slide5.xml><?xml version="1.0" encoding="utf-8"?>
-<p:sld xmlns:a="http://schemas.openxmlformats.org/drawingml/2006/main" xmlns:r="http://schemas.openxmlformats.org/officeDocument/2006/relationships" xmlns:p="http://schemas.openxmlformats.org/presentationml/2006/main">
-  <p:cSld>
-    <p:spTree>
-      <p:nvGrpSpPr>
-        <p:cNvPr id="1" name=""/>
-        <p:cNvGrpSpPr/>
-        <p:nvPr/>
-      </p:nvGrpSpPr>
-      <p:grpSpPr>
-        <a:xfrm>
-          <a:off x="0" y="0"/>
-          <a:ext cx="0" cy="0"/>
-          <a:chOff x="0" y="0"/>
-          <a:chExt cx="0" cy="0"/>
-        </a:xfrm>
-      </p:grpSpPr>
-      <p:grpSp>
-        <p:nvGrpSpPr>
-          <p:cNvPr id="3" name="Group 2"/>
-          <p:cNvGrpSpPr/>
-          <p:nvPr/>
-        </p:nvGrpSpPr>
-        <p:grpSpPr>
-          <a:xfrm>
-            <a:off x="1627876" y="2026488"/>
-            <a:ext cx="2624328" cy="1610264"/>
-            <a:chOff x="1627876" y="2026488"/>
-            <a:chExt cx="2624328" cy="1610264"/>
-          </a:xfrm>
-        </p:grpSpPr>
-        <p:sp>
-          <p:nvSpPr>
-            <p:cNvPr id="2" name="Rectangle 1"/>
-            <p:cNvSpPr/>
-            <p:nvPr/>
-          </p:nvSpPr>
-          <p:spPr>
-            <a:xfrm rot="3360000">
-              <a:off x="2844357" y="947496"/>
-              <a:ext cx="128016" cy="2286000"/>
-            </a:xfrm>
-            <a:prstGeom prst="rect">
-              <a:avLst/>
-            </a:prstGeom>
-            <a:solidFill>
-              <a:schemeClr val="accent3">
-                <a:lumMod val="75000"/>
-              </a:schemeClr>
-            </a:solidFill>
-            <a:ln>
-              <a:noFill/>
-            </a:ln>
-          </p:spPr>
-          <p:style>
-            <a:lnRef idx="2">
-              <a:schemeClr val="accent1">
-                <a:shade val="50000"/>
-              </a:schemeClr>
-            </a:lnRef>
-            <a:fillRef idx="1">
-              <a:schemeClr val="accent1"/>
-            </a:fillRef>
-            <a:effectRef idx="0">
-              <a:schemeClr val="accent1"/>
-            </a:effectRef>
-            <a:fontRef idx="minor">
-              <a:schemeClr val="lt1"/>
-            </a:fontRef>
-          </p:style>
-          <p:txBody>
-            <a:bodyPr rtlCol="0" anchor="ctr"/>
-            <a:lstStyle/>
-            <a:p>
-              <a:pPr algn="ctr"/>
-              <a:endParaRPr lang="en-US"/>
-            </a:p>
-          </p:txBody>
-        </p:sp>
-        <p:sp>
-          <p:nvSpPr>
-            <p:cNvPr id="18" name="Rectangle 17"/>
-            <p:cNvSpPr/>
-            <p:nvPr/>
-          </p:nvSpPr>
-          <p:spPr>
-            <a:xfrm rot="3600000">
-              <a:off x="2876032" y="2260580"/>
-              <a:ext cx="128016" cy="2624328"/>
-            </a:xfrm>
-            <a:prstGeom prst="rect">
-              <a:avLst/>
-            </a:prstGeom>
-            <a:solidFill>
-              <a:schemeClr val="accent3">
-                <a:lumMod val="75000"/>
-              </a:schemeClr>
-            </a:solidFill>
-            <a:ln>
-              <a:noFill/>
-            </a:ln>
-          </p:spPr>
-          <p:style>
-            <a:lnRef idx="2">
-              <a:schemeClr val="accent1">
-                <a:shade val="50000"/>
-              </a:schemeClr>
-            </a:lnRef>
-            <a:fillRef idx="1">
-              <a:schemeClr val="accent1"/>
-            </a:fillRef>
-            <a:effectRef idx="0">
-              <a:schemeClr val="accent1"/>
-            </a:effectRef>
-            <a:fontRef idx="minor">
-              <a:schemeClr val="lt1"/>
-            </a:fontRef>
-          </p:style>
-          <p:txBody>
-            <a:bodyPr rtlCol="0" anchor="ctr"/>
-            <a:lstStyle/>
-            <a:p>
-              <a:pPr algn="ctr"/>
-              <a:endParaRPr lang="en-US"/>
-            </a:p>
-          </p:txBody>
-        </p:sp>
-      </p:grpSp>
-      <p:grpSp>
-        <p:nvGrpSpPr>
-          <p:cNvPr id="20" name="Group 19"/>
-          <p:cNvGrpSpPr/>
-          <p:nvPr/>
-        </p:nvGrpSpPr>
-        <p:grpSpPr>
-          <a:xfrm>
-            <a:off x="1780276" y="2178888"/>
-            <a:ext cx="2624328" cy="1610264"/>
-            <a:chOff x="1627876" y="2026488"/>
-            <a:chExt cx="2624328" cy="1610264"/>
-          </a:xfrm>
-        </p:grpSpPr>
-        <p:sp>
-          <p:nvSpPr>
-            <p:cNvPr id="21" name="Rectangle 20"/>
-            <p:cNvSpPr/>
-            <p:nvPr/>
-          </p:nvSpPr>
-          <p:spPr>
-            <a:xfrm rot="3360000">
-              <a:off x="2844357" y="947496"/>
-              <a:ext cx="128016" cy="2286000"/>
-            </a:xfrm>
-            <a:prstGeom prst="rect">
-              <a:avLst/>
-            </a:prstGeom>
-            <a:solidFill>
-              <a:schemeClr val="accent3">
-                <a:lumMod val="75000"/>
-              </a:schemeClr>
-            </a:solidFill>
-            <a:ln>
-              <a:noFill/>
-            </a:ln>
-          </p:spPr>
-          <p:style>
-            <a:lnRef idx="2">
-              <a:schemeClr val="accent1">
-                <a:shade val="50000"/>
-              </a:schemeClr>
-            </a:lnRef>
-            <a:fillRef idx="1">
-              <a:schemeClr val="accent1"/>
-            </a:fillRef>
-            <a:effectRef idx="0">
-              <a:schemeClr val="accent1"/>
-            </a:effectRef>
-            <a:fontRef idx="minor">
-              <a:schemeClr val="lt1"/>
-            </a:fontRef>
-          </p:style>
-          <p:txBody>
-            <a:bodyPr rtlCol="0" anchor="ctr"/>
-            <a:lstStyle/>
-            <a:p>
-              <a:pPr algn="ctr"/>
-              <a:endParaRPr lang="en-US"/>
-            </a:p>
-          </p:txBody>
-        </p:sp>
-        <p:sp>
-          <p:nvSpPr>
-            <p:cNvPr id="22" name="Rectangle 21"/>
-            <p:cNvSpPr/>
-            <p:nvPr/>
-          </p:nvSpPr>
-          <p:spPr>
-            <a:xfrm rot="3600000">
-              <a:off x="2876032" y="2260580"/>
-              <a:ext cx="128016" cy="2624328"/>
-            </a:xfrm>
-            <a:prstGeom prst="rect">
-              <a:avLst/>
-            </a:prstGeom>
-            <a:solidFill>
-              <a:schemeClr val="accent3">
-                <a:lumMod val="75000"/>
-              </a:schemeClr>
-            </a:solidFill>
-            <a:ln>
-              <a:noFill/>
-            </a:ln>
-          </p:spPr>
-          <p:style>
-            <a:lnRef idx="2">
-              <a:schemeClr val="accent1">
-                <a:shade val="50000"/>
-              </a:schemeClr>
-            </a:lnRef>
-            <a:fillRef idx="1">
-              <a:schemeClr val="accent1"/>
-            </a:fillRef>
-            <a:effectRef idx="0">
-              <a:schemeClr val="accent1"/>
-            </a:effectRef>
-            <a:fontRef idx="minor">
-              <a:schemeClr val="lt1"/>
-            </a:fontRef>
-          </p:style>
-          <p:txBody>
-            <a:bodyPr rtlCol="0" anchor="ctr"/>
-            <a:lstStyle/>
-            <a:p>
-              <a:pPr algn="ctr"/>
-              <a:endParaRPr lang="en-US"/>
-            </a:p>
-          </p:txBody>
-        </p:sp>
-      </p:grpSp>
-    </p:spTree>
-    <p:extLst>
-      <p:ext uri="{BB962C8B-B14F-4D97-AF65-F5344CB8AC3E}">
-        <p14:creationId xmlns:p14="http://schemas.microsoft.com/office/powerpoint/2010/main" val="3843201659"/>
-      </p:ext>
-    </p:extLst>
-  </p:cSld>
-  <p:clrMapOvr>
-    <a:masterClrMapping/>
-  </p:clrMapOvr>
-</p:sld>
-</file>
-
-<file path=ppt/slides/slide6.xml><?xml version="1.0" encoding="utf-8"?>
-<p:sld xmlns:a="http://schemas.openxmlformats.org/drawingml/2006/main" xmlns:r="http://schemas.openxmlformats.org/officeDocument/2006/relationships" xmlns:p="http://schemas.openxmlformats.org/presentationml/2006/main">
-  <p:cSld>
-    <p:spTree>
-      <p:nvGrpSpPr>
-        <p:cNvPr id="1" name=""/>
-        <p:cNvGrpSpPr/>
-        <p:nvPr/>
-      </p:nvGrpSpPr>
-      <p:grpSpPr>
-        <a:xfrm>
-          <a:off x="0" y="0"/>
-          <a:ext cx="0" cy="0"/>
-          <a:chOff x="0" y="0"/>
-          <a:chExt cx="0" cy="0"/>
-        </a:xfrm>
-      </p:grpSpPr>
-      <p:sp>
-        <p:nvSpPr>
-          <p:cNvPr id="4" name="Rectangle 3"/>
-          <p:cNvSpPr/>
-          <p:nvPr/>
-        </p:nvSpPr>
-        <p:spPr>
-          <a:xfrm rot="5400000">
-            <a:off x="2596303" y="826913"/>
-            <a:ext cx="128016" cy="941832"/>
-          </a:xfrm>
-          <a:prstGeom prst="rect">
-            <a:avLst/>
-          </a:prstGeom>
-          <a:ln>
-            <a:noFill/>
-          </a:ln>
-        </p:spPr>
-        <p:style>
-          <a:lnRef idx="2">
-            <a:schemeClr val="accent1">
-              <a:shade val="50000"/>
-            </a:schemeClr>
-          </a:lnRef>
-          <a:fillRef idx="1">
-            <a:schemeClr val="accent1"/>
-          </a:fillRef>
-          <a:effectRef idx="0">
-            <a:schemeClr val="accent1"/>
-          </a:effectRef>
-          <a:fontRef idx="minor">
-            <a:schemeClr val="lt1"/>
-          </a:fontRef>
-        </p:style>
-        <p:txBody>
-          <a:bodyPr rtlCol="0" anchor="ctr"/>
-          <a:lstStyle/>
-          <a:p>
-            <a:pPr algn="ctr"/>
-            <a:endParaRPr lang="en-US"/>
-          </a:p>
-        </p:txBody>
-      </p:sp>
-      <p:sp>
-        <p:nvSpPr>
-          <p:cNvPr id="6" name="Rectangle 5"/>
-          <p:cNvSpPr/>
-          <p:nvPr/>
-        </p:nvSpPr>
-        <p:spPr>
-          <a:xfrm rot="21240000">
-            <a:off x="2694275" y="1303569"/>
-            <a:ext cx="128016" cy="3018477"/>
-          </a:xfrm>
-          <a:prstGeom prst="rect">
-            <a:avLst/>
-          </a:prstGeom>
-          <a:ln>
-            <a:noFill/>
-          </a:ln>
-        </p:spPr>
-        <p:style>
-          <a:lnRef idx="2">
-            <a:schemeClr val="accent1">
-              <a:shade val="50000"/>
-            </a:schemeClr>
-          </a:lnRef>
-          <a:fillRef idx="1">
-            <a:schemeClr val="accent1"/>
-          </a:fillRef>
-          <a:effectRef idx="0">
-            <a:schemeClr val="accent1"/>
-          </a:effectRef>
-          <a:fontRef idx="minor">
-            <a:schemeClr val="lt1"/>
-          </a:fontRef>
-        </p:style>
-        <p:txBody>
-          <a:bodyPr rtlCol="0" anchor="ctr"/>
-          <a:lstStyle/>
-          <a:p>
-            <a:pPr algn="ctr"/>
-            <a:endParaRPr lang="en-US"/>
-          </a:p>
-        </p:txBody>
-      </p:sp>
-      <p:sp>
-        <p:nvSpPr>
-          <p:cNvPr id="7" name="Rectangle 6"/>
-          <p:cNvSpPr/>
-          <p:nvPr/>
-        </p:nvSpPr>
-        <p:spPr>
-          <a:xfrm rot="20880000">
-            <a:off x="3119143" y="1299843"/>
-            <a:ext cx="128016" cy="3056111"/>
-          </a:xfrm>
-          <a:prstGeom prst="rect">
-            <a:avLst/>
-          </a:prstGeom>
-          <a:ln>
-            <a:noFill/>
-          </a:ln>
-        </p:spPr>
-        <p:style>
-          <a:lnRef idx="2">
-            <a:schemeClr val="accent1">
-              <a:shade val="50000"/>
-            </a:schemeClr>
-          </a:lnRef>
-          <a:fillRef idx="1">
-            <a:schemeClr val="accent1"/>
-          </a:fillRef>
-          <a:effectRef idx="0">
-            <a:schemeClr val="accent1"/>
-          </a:effectRef>
-          <a:fontRef idx="minor">
-            <a:schemeClr val="lt1"/>
-          </a:fontRef>
-        </p:style>
-        <p:txBody>
-          <a:bodyPr rtlCol="0" anchor="ctr"/>
-          <a:lstStyle/>
-          <a:p>
-            <a:pPr algn="ctr"/>
-            <a:endParaRPr lang="en-US"/>
-          </a:p>
-        </p:txBody>
-      </p:sp>
-      <p:sp>
-        <p:nvSpPr>
-          <p:cNvPr id="9" name="Rectangle 8"/>
-          <p:cNvSpPr/>
-          <p:nvPr/>
-        </p:nvSpPr>
-        <p:spPr>
-          <a:xfrm rot="16200000" flipH="1">
-            <a:off x="1654470" y="826913"/>
-            <a:ext cx="128016" cy="941832"/>
-          </a:xfrm>
-          <a:prstGeom prst="rect">
-            <a:avLst/>
-          </a:prstGeom>
-          <a:ln>
-            <a:noFill/>
-          </a:ln>
-        </p:spPr>
-        <p:style>
-          <a:lnRef idx="2">
-            <a:schemeClr val="accent1">
-              <a:shade val="50000"/>
-            </a:schemeClr>
-          </a:lnRef>
-          <a:fillRef idx="1">
-            <a:schemeClr val="accent1"/>
-          </a:fillRef>
-          <a:effectRef idx="0">
-            <a:schemeClr val="accent1"/>
-          </a:effectRef>
-          <a:fontRef idx="minor">
-            <a:schemeClr val="lt1"/>
-          </a:fontRef>
-        </p:style>
-        <p:txBody>
-          <a:bodyPr rtlCol="0" anchor="ctr"/>
-          <a:lstStyle/>
-          <a:p>
-            <a:pPr algn="ctr"/>
-            <a:endParaRPr lang="en-US"/>
-          </a:p>
-        </p:txBody>
-      </p:sp>
-      <p:grpSp>
-        <p:nvGrpSpPr>
-          <p:cNvPr id="19" name="Group 18"/>
-          <p:cNvGrpSpPr/>
-          <p:nvPr/>
-        </p:nvGrpSpPr>
-        <p:grpSpPr>
-          <a:xfrm>
-            <a:off x="625771" y="4248574"/>
-            <a:ext cx="3127248" cy="128016"/>
-            <a:chOff x="625771" y="4248574"/>
-            <a:chExt cx="3127248" cy="128016"/>
-          </a:xfrm>
-        </p:grpSpPr>
-        <p:sp>
-          <p:nvSpPr>
-            <p:cNvPr id="5" name="Rectangle 4"/>
-            <p:cNvSpPr/>
-            <p:nvPr/>
-          </p:nvSpPr>
-          <p:spPr>
-            <a:xfrm rot="5400000">
-              <a:off x="2907199" y="3530770"/>
-              <a:ext cx="128016" cy="1563624"/>
-            </a:xfrm>
-            <a:prstGeom prst="rect">
-              <a:avLst/>
-            </a:prstGeom>
-            <a:ln>
-              <a:noFill/>
-            </a:ln>
-          </p:spPr>
-          <p:style>
-            <a:lnRef idx="2">
-              <a:schemeClr val="accent1">
-                <a:shade val="50000"/>
-              </a:schemeClr>
-            </a:lnRef>
-            <a:fillRef idx="1">
-              <a:schemeClr val="accent1"/>
-            </a:fillRef>
-            <a:effectRef idx="0">
-              <a:schemeClr val="accent1"/>
-            </a:effectRef>
-            <a:fontRef idx="minor">
-              <a:schemeClr val="lt1"/>
-            </a:fontRef>
-          </p:style>
-          <p:txBody>
-            <a:bodyPr rtlCol="0" anchor="ctr"/>
-            <a:lstStyle/>
-            <a:p>
-              <a:pPr algn="ctr"/>
-              <a:endParaRPr lang="en-US"/>
-            </a:p>
-          </p:txBody>
-        </p:sp>
-        <p:sp>
-          <p:nvSpPr>
-            <p:cNvPr id="10" name="Rectangle 9"/>
-            <p:cNvSpPr/>
-            <p:nvPr/>
-          </p:nvSpPr>
-          <p:spPr>
-            <a:xfrm rot="16200000" flipH="1">
-              <a:off x="1343575" y="3530770"/>
-              <a:ext cx="128016" cy="1563624"/>
-            </a:xfrm>
-            <a:prstGeom prst="rect">
-              <a:avLst/>
-            </a:prstGeom>
-            <a:ln>
-              <a:noFill/>
-            </a:ln>
-          </p:spPr>
-          <p:style>
-            <a:lnRef idx="2">
-              <a:schemeClr val="accent1">
-                <a:shade val="50000"/>
-              </a:schemeClr>
-            </a:lnRef>
-            <a:fillRef idx="1">
-              <a:schemeClr val="accent1"/>
-            </a:fillRef>
-            <a:effectRef idx="0">
-              <a:schemeClr val="accent1"/>
-            </a:effectRef>
-            <a:fontRef idx="minor">
-              <a:schemeClr val="lt1"/>
-            </a:fontRef>
-          </p:style>
-          <p:txBody>
-            <a:bodyPr rtlCol="0" anchor="ctr"/>
-            <a:lstStyle/>
-            <a:p>
-              <a:pPr algn="ctr"/>
-              <a:endParaRPr lang="en-US"/>
-            </a:p>
-          </p:txBody>
-        </p:sp>
-      </p:grpSp>
-      <p:sp>
-        <p:nvSpPr>
-          <p:cNvPr id="11" name="Rectangle 10"/>
-          <p:cNvSpPr/>
-          <p:nvPr/>
-        </p:nvSpPr>
-        <p:spPr>
-          <a:xfrm rot="360000" flipH="1">
-            <a:off x="1556498" y="1303569"/>
-            <a:ext cx="128016" cy="3018477"/>
-          </a:xfrm>
-          <a:prstGeom prst="rect">
-            <a:avLst/>
-          </a:prstGeom>
-          <a:ln>
-            <a:noFill/>
-          </a:ln>
-        </p:spPr>
-        <p:style>
-          <a:lnRef idx="2">
-            <a:schemeClr val="accent1">
-              <a:shade val="50000"/>
-            </a:schemeClr>
-          </a:lnRef>
-          <a:fillRef idx="1">
-            <a:schemeClr val="accent1"/>
-          </a:fillRef>
-          <a:effectRef idx="0">
-            <a:schemeClr val="accent1"/>
-          </a:effectRef>
-          <a:fontRef idx="minor">
-            <a:schemeClr val="lt1"/>
-          </a:fontRef>
-        </p:style>
-        <p:txBody>
-          <a:bodyPr rtlCol="0" anchor="ctr"/>
-          <a:lstStyle/>
-          <a:p>
-            <a:pPr algn="ctr"/>
-            <a:endParaRPr lang="en-US"/>
-          </a:p>
-        </p:txBody>
-      </p:sp>
-      <p:sp>
-        <p:nvSpPr>
-          <p:cNvPr id="12" name="Rectangle 11"/>
-          <p:cNvSpPr/>
-          <p:nvPr/>
-        </p:nvSpPr>
-        <p:spPr>
-          <a:xfrm rot="720000" flipH="1">
-            <a:off x="1131630" y="1299843"/>
-            <a:ext cx="128016" cy="3056111"/>
-          </a:xfrm>
-          <a:prstGeom prst="rect">
-            <a:avLst/>
-          </a:prstGeom>
-          <a:ln>
-            <a:noFill/>
-          </a:ln>
-        </p:spPr>
-        <p:style>
-          <a:lnRef idx="2">
-            <a:schemeClr val="accent1">
-              <a:shade val="50000"/>
-            </a:schemeClr>
-          </a:lnRef>
-          <a:fillRef idx="1">
-            <a:schemeClr val="accent1"/>
-          </a:fillRef>
-          <a:effectRef idx="0">
-            <a:schemeClr val="accent1"/>
-          </a:effectRef>
-          <a:fontRef idx="minor">
-            <a:schemeClr val="lt1"/>
-          </a:fontRef>
-        </p:style>
-        <p:txBody>
-          <a:bodyPr rtlCol="0" anchor="ctr"/>
-          <a:lstStyle/>
-          <a:p>
-            <a:pPr algn="ctr"/>
-            <a:endParaRPr lang="en-US"/>
-          </a:p>
-        </p:txBody>
-      </p:sp>
-      <p:grpSp>
-        <p:nvGrpSpPr>
-          <p:cNvPr id="18" name="Group 17"/>
-          <p:cNvGrpSpPr/>
-          <p:nvPr/>
-        </p:nvGrpSpPr>
-        <p:grpSpPr>
-          <a:xfrm>
-            <a:off x="1969938" y="1361837"/>
-            <a:ext cx="438913" cy="2900886"/>
-            <a:chOff x="1969938" y="1361837"/>
-            <a:chExt cx="438913" cy="2900886"/>
-          </a:xfrm>
-        </p:grpSpPr>
-        <p:sp>
-          <p:nvSpPr>
-            <p:cNvPr id="8" name="Rectangle 7"/>
-            <p:cNvSpPr/>
-            <p:nvPr/>
-          </p:nvSpPr>
-          <p:spPr>
-            <a:xfrm>
-              <a:off x="2280835" y="1361837"/>
-              <a:ext cx="128016" cy="2900886"/>
-            </a:xfrm>
-            <a:prstGeom prst="rect">
-              <a:avLst/>
-            </a:prstGeom>
-            <a:ln>
-              <a:noFill/>
-            </a:ln>
-          </p:spPr>
-          <p:style>
-            <a:lnRef idx="2">
-              <a:schemeClr val="accent1">
-                <a:shade val="50000"/>
-              </a:schemeClr>
-            </a:lnRef>
-            <a:fillRef idx="1">
-              <a:schemeClr val="accent1"/>
-            </a:fillRef>
-            <a:effectRef idx="0">
-              <a:schemeClr val="accent1"/>
-            </a:effectRef>
-            <a:fontRef idx="minor">
-              <a:schemeClr val="lt1"/>
-            </a:fontRef>
-          </p:style>
-          <p:txBody>
-            <a:bodyPr rtlCol="0" anchor="ctr"/>
-            <a:lstStyle/>
-            <a:p>
-              <a:pPr algn="ctr"/>
-              <a:endParaRPr lang="en-US"/>
-            </a:p>
-          </p:txBody>
-        </p:sp>
-        <p:sp>
-          <p:nvSpPr>
-            <p:cNvPr id="13" name="Rectangle 12"/>
-            <p:cNvSpPr/>
-            <p:nvPr/>
-          </p:nvSpPr>
-          <p:spPr>
-            <a:xfrm flipH="1">
-              <a:off x="1969938" y="1361837"/>
-              <a:ext cx="128016" cy="2900886"/>
-            </a:xfrm>
-            <a:prstGeom prst="rect">
-              <a:avLst/>
-            </a:prstGeom>
-            <a:ln>
-              <a:noFill/>
-            </a:ln>
-          </p:spPr>
-          <p:style>
-            <a:lnRef idx="2">
-              <a:schemeClr val="accent1">
-                <a:shade val="50000"/>
-              </a:schemeClr>
-            </a:lnRef>
-            <a:fillRef idx="1">
-              <a:schemeClr val="accent1"/>
-            </a:fillRef>
-            <a:effectRef idx="0">
-              <a:schemeClr val="accent1"/>
-            </a:effectRef>
-            <a:fontRef idx="minor">
-              <a:schemeClr val="lt1"/>
-            </a:fontRef>
-          </p:style>
-          <p:txBody>
-            <a:bodyPr rtlCol="0" anchor="ctr"/>
-            <a:lstStyle/>
-            <a:p>
-              <a:pPr algn="ctr"/>
-              <a:endParaRPr lang="en-US"/>
-            </a:p>
-          </p:txBody>
-        </p:sp>
-      </p:grpSp>
-      <p:grpSp>
-        <p:nvGrpSpPr>
-          <p:cNvPr id="14" name="Group 13"/>
-          <p:cNvGrpSpPr/>
-          <p:nvPr/>
-        </p:nvGrpSpPr>
-        <p:grpSpPr>
-          <a:xfrm>
-            <a:off x="751576" y="1975688"/>
-            <a:ext cx="2624328" cy="1610264"/>
-            <a:chOff x="1627876" y="2026488"/>
-            <a:chExt cx="2624328" cy="1610264"/>
-          </a:xfrm>
-        </p:grpSpPr>
-        <p:sp>
-          <p:nvSpPr>
-            <p:cNvPr id="15" name="Rectangle 14"/>
-            <p:cNvSpPr/>
-            <p:nvPr/>
-          </p:nvSpPr>
-          <p:spPr>
-            <a:xfrm rot="3360000">
-              <a:off x="2844357" y="947496"/>
-              <a:ext cx="128016" cy="2286000"/>
-            </a:xfrm>
-            <a:prstGeom prst="rect">
-              <a:avLst/>
-            </a:prstGeom>
-            <a:solidFill>
-              <a:schemeClr val="accent3">
-                <a:lumMod val="75000"/>
-              </a:schemeClr>
-            </a:solidFill>
-            <a:ln>
-              <a:noFill/>
-            </a:ln>
-          </p:spPr>
-          <p:style>
-            <a:lnRef idx="2">
-              <a:schemeClr val="accent1">
-                <a:shade val="50000"/>
-              </a:schemeClr>
-            </a:lnRef>
-            <a:fillRef idx="1">
-              <a:schemeClr val="accent1"/>
-            </a:fillRef>
-            <a:effectRef idx="0">
-              <a:schemeClr val="accent1"/>
-            </a:effectRef>
-            <a:fontRef idx="minor">
-              <a:schemeClr val="lt1"/>
-            </a:fontRef>
-          </p:style>
-          <p:txBody>
-            <a:bodyPr rtlCol="0" anchor="ctr"/>
-            <a:lstStyle/>
-            <a:p>
-              <a:pPr algn="ctr"/>
-              <a:endParaRPr lang="en-US"/>
-            </a:p>
-          </p:txBody>
-        </p:sp>
-        <p:sp>
-          <p:nvSpPr>
-            <p:cNvPr id="16" name="Rectangle 15"/>
-            <p:cNvSpPr/>
-            <p:nvPr/>
-          </p:nvSpPr>
-          <p:spPr>
-            <a:xfrm rot="3600000">
-              <a:off x="2876032" y="2260580"/>
-              <a:ext cx="128016" cy="2624328"/>
-            </a:xfrm>
-            <a:prstGeom prst="rect">
-              <a:avLst/>
-            </a:prstGeom>
-            <a:solidFill>
-              <a:schemeClr val="accent3">
-                <a:lumMod val="75000"/>
-              </a:schemeClr>
-            </a:solidFill>
-            <a:ln>
-              <a:noFill/>
-            </a:ln>
-          </p:spPr>
-          <p:style>
-            <a:lnRef idx="2">
-              <a:schemeClr val="accent1">
-                <a:shade val="50000"/>
-              </a:schemeClr>
-            </a:lnRef>
-            <a:fillRef idx="1">
-              <a:schemeClr val="accent1"/>
-            </a:fillRef>
-            <a:effectRef idx="0">
-              <a:schemeClr val="accent1"/>
-            </a:effectRef>
-            <a:fontRef idx="minor">
-              <a:schemeClr val="lt1"/>
-            </a:fontRef>
-          </p:style>
-          <p:txBody>
-            <a:bodyPr rtlCol="0" anchor="ctr"/>
-            <a:lstStyle/>
-            <a:p>
-              <a:pPr algn="ctr"/>
-              <a:endParaRPr lang="en-US"/>
-            </a:p>
-          </p:txBody>
-        </p:sp>
-      </p:grpSp>
-      <p:sp>
-        <p:nvSpPr>
-          <p:cNvPr id="17" name="Rectangle 16"/>
-          <p:cNvSpPr/>
-          <p:nvPr/>
-        </p:nvSpPr>
-        <p:spPr>
-          <a:xfrm rot="5400000" flipH="1">
-            <a:off x="2125386" y="1534841"/>
-            <a:ext cx="128016" cy="2423160"/>
-          </a:xfrm>
-          <a:prstGeom prst="rect">
-            <a:avLst/>
-          </a:prstGeom>
-          <a:ln>
-            <a:noFill/>
-          </a:ln>
-        </p:spPr>
-        <p:style>
-          <a:lnRef idx="2">
-            <a:schemeClr val="accent1">
-              <a:shade val="50000"/>
-            </a:schemeClr>
-          </a:lnRef>
-          <a:fillRef idx="1">
-            <a:schemeClr val="accent1"/>
-          </a:fillRef>
-          <a:effectRef idx="0">
-            <a:schemeClr val="accent1"/>
-          </a:effectRef>
-          <a:fontRef idx="minor">
-            <a:schemeClr val="lt1"/>
-          </a:fontRef>
-        </p:style>
-        <p:txBody>
-          <a:bodyPr rtlCol="0" anchor="ctr"/>
-          <a:lstStyle/>
-          <a:p>
-            <a:pPr algn="ctr"/>
-            <a:endParaRPr lang="en-US"/>
-          </a:p>
-        </p:txBody>
-      </p:sp>
-    </p:spTree>
-    <p:extLst>
-      <p:ext uri="{BB962C8B-B14F-4D97-AF65-F5344CB8AC3E}">
-        <p14:creationId xmlns:p14="http://schemas.microsoft.com/office/powerpoint/2010/main" val="4138235631"/>
       </p:ext>
     </p:extLst>
   </p:cSld>
